--- a/HTML/HTML.pptx
+++ b/HTML/HTML.pptx
@@ -34,7 +34,8 @@
     <p:sldId id="286" r:id="rId28"/>
     <p:sldId id="287" r:id="rId29"/>
     <p:sldId id="289" r:id="rId30"/>
-    <p:sldId id="288" r:id="rId31"/>
+    <p:sldId id="290" r:id="rId31"/>
+    <p:sldId id="288" r:id="rId32"/>
   </p:sldIdLst>
   <p:sldSz cx="12192000" cy="6858000"/>
   <p:notesSz cx="6858000" cy="9144000"/>
@@ -272,7 +273,7 @@
           <a:p>
             <a:fld id="{BA840AF6-1577-49D7-8388-3498B46251DB}" type="datetimeFigureOut">
               <a:rPr lang="zh-CN" altLang="en-US" smtClean="0"/>
-              <a:t>2019/10/20</a:t>
+              <a:t>2019/10/22</a:t>
             </a:fld>
             <a:endParaRPr lang="zh-CN" altLang="en-US"/>
           </a:p>
@@ -442,7 +443,7 @@
           <a:p>
             <a:fld id="{BA840AF6-1577-49D7-8388-3498B46251DB}" type="datetimeFigureOut">
               <a:rPr lang="zh-CN" altLang="en-US" smtClean="0"/>
-              <a:t>2019/10/20</a:t>
+              <a:t>2019/10/22</a:t>
             </a:fld>
             <a:endParaRPr lang="zh-CN" altLang="en-US"/>
           </a:p>
@@ -622,7 +623,7 @@
           <a:p>
             <a:fld id="{BA840AF6-1577-49D7-8388-3498B46251DB}" type="datetimeFigureOut">
               <a:rPr lang="zh-CN" altLang="en-US" smtClean="0"/>
-              <a:t>2019/10/20</a:t>
+              <a:t>2019/10/22</a:t>
             </a:fld>
             <a:endParaRPr lang="zh-CN" altLang="en-US"/>
           </a:p>
@@ -792,7 +793,7 @@
           <a:p>
             <a:fld id="{BA840AF6-1577-49D7-8388-3498B46251DB}" type="datetimeFigureOut">
               <a:rPr lang="zh-CN" altLang="en-US" smtClean="0"/>
-              <a:t>2019/10/20</a:t>
+              <a:t>2019/10/22</a:t>
             </a:fld>
             <a:endParaRPr lang="zh-CN" altLang="en-US"/>
           </a:p>
@@ -1038,7 +1039,7 @@
           <a:p>
             <a:fld id="{BA840AF6-1577-49D7-8388-3498B46251DB}" type="datetimeFigureOut">
               <a:rPr lang="zh-CN" altLang="en-US" smtClean="0"/>
-              <a:t>2019/10/20</a:t>
+              <a:t>2019/10/22</a:t>
             </a:fld>
             <a:endParaRPr lang="zh-CN" altLang="en-US"/>
           </a:p>
@@ -1270,7 +1271,7 @@
           <a:p>
             <a:fld id="{BA840AF6-1577-49D7-8388-3498B46251DB}" type="datetimeFigureOut">
               <a:rPr lang="zh-CN" altLang="en-US" smtClean="0"/>
-              <a:t>2019/10/20</a:t>
+              <a:t>2019/10/22</a:t>
             </a:fld>
             <a:endParaRPr lang="zh-CN" altLang="en-US"/>
           </a:p>
@@ -1637,7 +1638,7 @@
           <a:p>
             <a:fld id="{BA840AF6-1577-49D7-8388-3498B46251DB}" type="datetimeFigureOut">
               <a:rPr lang="zh-CN" altLang="en-US" smtClean="0"/>
-              <a:t>2019/10/20</a:t>
+              <a:t>2019/10/22</a:t>
             </a:fld>
             <a:endParaRPr lang="zh-CN" altLang="en-US"/>
           </a:p>
@@ -1755,7 +1756,7 @@
           <a:p>
             <a:fld id="{BA840AF6-1577-49D7-8388-3498B46251DB}" type="datetimeFigureOut">
               <a:rPr lang="zh-CN" altLang="en-US" smtClean="0"/>
-              <a:t>2019/10/20</a:t>
+              <a:t>2019/10/22</a:t>
             </a:fld>
             <a:endParaRPr lang="zh-CN" altLang="en-US"/>
           </a:p>
@@ -1850,7 +1851,7 @@
           <a:p>
             <a:fld id="{BA840AF6-1577-49D7-8388-3498B46251DB}" type="datetimeFigureOut">
               <a:rPr lang="zh-CN" altLang="en-US" smtClean="0"/>
-              <a:t>2019/10/20</a:t>
+              <a:t>2019/10/22</a:t>
             </a:fld>
             <a:endParaRPr lang="zh-CN" altLang="en-US"/>
           </a:p>
@@ -2127,7 +2128,7 @@
           <a:p>
             <a:fld id="{BA840AF6-1577-49D7-8388-3498B46251DB}" type="datetimeFigureOut">
               <a:rPr lang="zh-CN" altLang="en-US" smtClean="0"/>
-              <a:t>2019/10/20</a:t>
+              <a:t>2019/10/22</a:t>
             </a:fld>
             <a:endParaRPr lang="zh-CN" altLang="en-US"/>
           </a:p>
@@ -2380,7 +2381,7 @@
           <a:p>
             <a:fld id="{BA840AF6-1577-49D7-8388-3498B46251DB}" type="datetimeFigureOut">
               <a:rPr lang="zh-CN" altLang="en-US" smtClean="0"/>
-              <a:t>2019/10/20</a:t>
+              <a:t>2019/10/22</a:t>
             </a:fld>
             <a:endParaRPr lang="zh-CN" altLang="en-US"/>
           </a:p>
@@ -2593,7 +2594,7 @@
           <a:p>
             <a:fld id="{BA840AF6-1577-49D7-8388-3498B46251DB}" type="datetimeFigureOut">
               <a:rPr lang="zh-CN" altLang="en-US" smtClean="0"/>
-              <a:t>2019/10/20</a:t>
+              <a:t>2019/10/22</a:t>
             </a:fld>
             <a:endParaRPr lang="zh-CN" altLang="en-US"/>
           </a:p>
@@ -4043,17 +4044,7 @@
                   </a:schemeClr>
                 </a:solidFill>
               </a:rPr>
-              <a:t>_</a:t>
-            </a:r>
-            <a:r>
-              <a:rPr lang="en-US" altLang="zh-CN" dirty="0" smtClean="0">
-                <a:solidFill>
-                  <a:schemeClr val="accent1">
-                    <a:lumMod val="75000"/>
-                  </a:schemeClr>
-                </a:solidFill>
-              </a:rPr>
-              <a:t>top</a:t>
+              <a:t>_top</a:t>
             </a:r>
           </a:p>
           <a:p>
@@ -4098,13 +4089,6 @@
               </a:rPr>
               <a:t>name</a:t>
             </a:r>
-            <a:endParaRPr lang="en-US" altLang="zh-CN" dirty="0" smtClean="0">
-              <a:solidFill>
-                <a:schemeClr val="accent1">
-                  <a:lumMod val="75000"/>
-                </a:schemeClr>
-              </a:solidFill>
-            </a:endParaRPr>
           </a:p>
           <a:p>
             <a:pPr lvl="1"/>
@@ -4279,15 +4263,7 @@
           <a:p>
             <a:r>
               <a:rPr lang="en-US" altLang="zh-CN" dirty="0" smtClean="0"/>
-              <a:t>URL </a:t>
-            </a:r>
-            <a:r>
-              <a:rPr lang="en-US" altLang="zh-CN" dirty="0" smtClean="0"/>
-              <a:t>SCHEMES</a:t>
-            </a:r>
-            <a:r>
-              <a:rPr lang="en-US" altLang="zh-CN" dirty="0" smtClean="0"/>
-              <a:t>(</a:t>
+              <a:t>URL SCHEMES(</a:t>
             </a:r>
             <a:r>
               <a:rPr lang="zh-CN" altLang="en-US" dirty="0" smtClean="0"/>
@@ -4297,7 +4273,6 @@
               <a:rPr lang="en-US" altLang="zh-CN" dirty="0" smtClean="0"/>
               <a:t>)</a:t>
             </a:r>
-            <a:endParaRPr lang="en-US" altLang="zh-CN" dirty="0" smtClean="0"/>
           </a:p>
           <a:p>
             <a:pPr lvl="1"/>
@@ -4366,7 +4341,6 @@
               <a:rPr lang="en-US" altLang="zh-CN" dirty="0" smtClean="0"/>
               <a:t>”id)</a:t>
             </a:r>
-            <a:endParaRPr lang="en-US" altLang="zh-CN" dirty="0" smtClean="0"/>
           </a:p>
           <a:p>
             <a:r>
@@ -4475,7 +4449,6 @@
               <a:rPr lang="en-US" altLang="zh-CN" dirty="0" smtClean="0"/>
               <a:t>[name]</a:t>
             </a:r>
-            <a:endParaRPr lang="en-US" altLang="zh-CN" dirty="0" smtClean="0"/>
           </a:p>
           <a:p>
             <a:r>
@@ -5170,14 +5143,6 @@
               </a:rPr>
               <a:t>on</a:t>
             </a:r>
-            <a:endParaRPr lang="en-US" altLang="zh-CN" dirty="0" smtClean="0">
-              <a:solidFill>
-                <a:schemeClr val="accent1">
-                  <a:lumMod val="60000"/>
-                  <a:lumOff val="40000"/>
-                </a:schemeClr>
-              </a:solidFill>
-            </a:endParaRPr>
           </a:p>
           <a:p>
             <a:r>
@@ -5545,6 +5510,13 @@
               <a:rPr lang="en-US" altLang="zh-CN" dirty="0" smtClean="0"/>
               <a:t>”</a:t>
             </a:r>
+          </a:p>
+          <a:p>
+            <a:r>
+              <a:rPr lang="en-US" altLang="zh-CN" dirty="0" smtClean="0"/>
+              <a:t>input type=“search”</a:t>
+            </a:r>
+            <a:endParaRPr lang="en-US" altLang="zh-CN" dirty="0" smtClean="0"/>
           </a:p>
           <a:p>
             <a:r>
@@ -6018,20 +5990,14 @@
             </a:r>
             <a:r>
               <a:rPr lang="en-US" altLang="zh-CN" dirty="0" smtClean="0"/>
-              <a:t>, </a:t>
-            </a:r>
-            <a:r>
-              <a:rPr lang="en-US" altLang="zh-CN" dirty="0" smtClean="0"/>
-              <a:t>q</a:t>
-            </a:r>
-            <a:endParaRPr lang="en-US" altLang="zh-CN" dirty="0" smtClean="0"/>
+              <a:t>, q</a:t>
+            </a:r>
           </a:p>
           <a:p>
             <a:r>
               <a:rPr lang="en-US" altLang="zh-CN" dirty="0" smtClean="0"/>
               <a:t>pre</a:t>
             </a:r>
-            <a:endParaRPr lang="en-US" altLang="zh-CN" dirty="0" smtClean="0"/>
           </a:p>
           <a:p>
             <a:r>
@@ -6386,7 +6352,22 @@
             </a:r>
             <a:r>
               <a:rPr lang="zh-CN" altLang="en-US" dirty="0" smtClean="0"/>
-              <a:t>命名用驼峰</a:t>
+              <a:t>命名用</a:t>
+            </a:r>
+            <a:r>
+              <a:rPr lang="zh-CN" altLang="en-US" dirty="0" smtClean="0"/>
+              <a:t>驼峰</a:t>
+            </a:r>
+            <a:endParaRPr lang="en-US" altLang="zh-CN" dirty="0" smtClean="0"/>
+          </a:p>
+          <a:p>
+            <a:r>
+              <a:rPr lang="en-US" altLang="zh-CN" dirty="0" smtClean="0"/>
+              <a:t>id</a:t>
+            </a:r>
+            <a:r>
+              <a:rPr lang="zh-CN" altLang="en-US" dirty="0" smtClean="0"/>
+              <a:t>不能以数字开头，不能重复</a:t>
             </a:r>
             <a:endParaRPr lang="en-US" altLang="zh-CN" dirty="0" smtClean="0"/>
           </a:p>
@@ -6471,7 +6452,19 @@
           <a:bodyPr/>
           <a:lstStyle/>
           <a:p>
-            <a:endParaRPr lang="zh-CN" altLang="en-US" dirty="0"/>
+            <a:r>
+              <a:rPr lang="zh-CN" altLang="en-US" dirty="0" smtClean="0"/>
+              <a:t>见 </a:t>
+            </a:r>
+            <a:r>
+              <a:rPr lang="zh-CN" altLang="en-US" u="sng" dirty="0" smtClean="0"/>
+              <a:t>一般页面结构</a:t>
+            </a:r>
+            <a:r>
+              <a:rPr lang="en-US" altLang="zh-CN" u="sng" dirty="0" smtClean="0"/>
+              <a:t>.html</a:t>
+            </a:r>
+            <a:endParaRPr lang="zh-CN" altLang="en-US" u="sng" dirty="0"/>
           </a:p>
         </p:txBody>
       </p:sp>
@@ -6522,6 +6515,88 @@
             <p:ph type="title"/>
           </p:nvPr>
         </p:nvSpPr>
+        <p:spPr/>
+        <p:txBody>
+          <a:bodyPr/>
+          <a:lstStyle/>
+          <a:p>
+            <a:r>
+              <a:rPr lang="en-US" altLang="zh-CN" dirty="0" smtClean="0"/>
+              <a:t>14. </a:t>
+            </a:r>
+            <a:r>
+              <a:rPr lang="en-US" altLang="zh-CN" dirty="0" err="1" smtClean="0"/>
+              <a:t>Emmet</a:t>
+            </a:r>
+            <a:endParaRPr lang="zh-CN" altLang="en-US" dirty="0"/>
+          </a:p>
+        </p:txBody>
+      </p:sp>
+      <p:sp>
+        <p:nvSpPr>
+          <p:cNvPr id="3" name="内容占位符 2"/>
+          <p:cNvSpPr>
+            <a:spLocks noGrp="1"/>
+          </p:cNvSpPr>
+          <p:nvPr>
+            <p:ph idx="1"/>
+          </p:nvPr>
+        </p:nvSpPr>
+        <p:spPr/>
+        <p:txBody>
+          <a:bodyPr/>
+          <a:lstStyle/>
+          <a:p>
+            <a:r>
+              <a:rPr lang="en-US" altLang="zh-CN" dirty="0">
+                <a:hlinkClick r:id="rId2"/>
+              </a:rPr>
+              <a:t>https://www.iteye.com/news/27580</a:t>
+            </a:r>
+            <a:endParaRPr lang="zh-CN" altLang="en-US" dirty="0"/>
+          </a:p>
+        </p:txBody>
+      </p:sp>
+    </p:spTree>
+    <p:extLst>
+      <p:ext uri="{BB962C8B-B14F-4D97-AF65-F5344CB8AC3E}">
+        <p14:creationId xmlns:p14="http://schemas.microsoft.com/office/powerpoint/2010/main" val="1912758004"/>
+      </p:ext>
+    </p:extLst>
+  </p:cSld>
+  <p:clrMapOvr>
+    <a:masterClrMapping/>
+  </p:clrMapOvr>
+</p:sld>
+</file>
+
+<file path=ppt/slides/slide31.xml><?xml version="1.0" encoding="utf-8"?>
+<p:sld xmlns:a="http://schemas.openxmlformats.org/drawingml/2006/main" xmlns:r="http://schemas.openxmlformats.org/officeDocument/2006/relationships" xmlns:p="http://schemas.openxmlformats.org/presentationml/2006/main">
+  <p:cSld>
+    <p:spTree>
+      <p:nvGrpSpPr>
+        <p:cNvPr id="1" name=""/>
+        <p:cNvGrpSpPr/>
+        <p:nvPr/>
+      </p:nvGrpSpPr>
+      <p:grpSpPr>
+        <a:xfrm>
+          <a:off x="0" y="0"/>
+          <a:ext cx="0" cy="0"/>
+          <a:chOff x="0" y="0"/>
+          <a:chExt cx="0" cy="0"/>
+        </a:xfrm>
+      </p:grpSpPr>
+      <p:sp>
+        <p:nvSpPr>
+          <p:cNvPr id="2" name="标题 1"/>
+          <p:cNvSpPr>
+            <a:spLocks noGrp="1"/>
+          </p:cNvSpPr>
+          <p:nvPr>
+            <p:ph type="title"/>
+          </p:nvPr>
+        </p:nvSpPr>
         <p:spPr>
           <a:xfrm>
             <a:off x="709411" y="0"/>
@@ -6608,7 +6683,19 @@
           <a:p>
             <a:r>
               <a:rPr lang="zh-CN" altLang="en-US" dirty="0"/>
-              <a:t>写一个电梯</a:t>
+              <a:t>写一</a:t>
+            </a:r>
+            <a:r>
+              <a:rPr lang="zh-CN" altLang="en-US" dirty="0" smtClean="0"/>
+              <a:t>个</a:t>
+            </a:r>
+            <a:r>
+              <a:rPr lang="zh-CN" altLang="en-US" dirty="0"/>
+              <a:t>天然</a:t>
+            </a:r>
+            <a:r>
+              <a:rPr lang="zh-CN" altLang="en-US" dirty="0" smtClean="0"/>
+              <a:t>电梯</a:t>
             </a:r>
             <a:endParaRPr lang="en-US" altLang="zh-CN" dirty="0" smtClean="0"/>
           </a:p>
